--- a/Kombinatorika/Heapsort/Алгоритм сортировки “Heapsort” (пирамидальная сортировка).pptx
+++ b/Kombinatorika/Heapsort/Алгоритм сортировки “Heapsort” (пирамидальная сортировка).pptx
@@ -8569,8 +8569,8 @@
         </p:nvSpPr>
         <p:spPr>
           <a:xfrm>
-            <a:off x="2390267" y="3238450"/>
-            <a:ext cx="6331500" cy="1241700"/>
+            <a:off x="270164" y="2085109"/>
+            <a:ext cx="1932708" cy="2727550"/>
           </a:xfrm>
           <a:prstGeom prst="rect">
             <a:avLst/>
@@ -8591,7 +8591,19 @@
               </a:spcAft>
               <a:buNone/>
             </a:pPr>
-            <a:endParaRPr/>
+            <a:r>
+              <a:rPr lang="ru-RU" dirty="0" smtClean="0"/>
+              <a:t>Выполнил студент группы БИВТ-23-8 </a:t>
+            </a:r>
+            <a:r>
+              <a:rPr lang="ru-RU" dirty="0" err="1" smtClean="0"/>
+              <a:t>Хомушку</a:t>
+            </a:r>
+            <a:r>
+              <a:rPr lang="ru-RU" dirty="0" smtClean="0"/>
+              <a:t> Марк</a:t>
+            </a:r>
+            <a:endParaRPr dirty="0"/>
           </a:p>
         </p:txBody>
       </p:sp>
